--- a/figs/network.pptx
+++ b/figs/network.pptx
@@ -104,6 +104,11 @@
       </a:defRPr>
     </a:lvl9pPr>
   </p:defaultTextStyle>
+  <p:extLst>
+    <p:ext uri="{EFAFB233-063F-42B5-8137-9DF3F51BA10A}">
+      <p15:sldGuideLst xmlns:p15="http://schemas.microsoft.com/office/powerpoint/2012/main"/>
+    </p:ext>
+  </p:extLst>
 </p:presentation>
 </file>
 
@@ -254,7 +259,7 @@
           <a:p>
             <a:fld id="{11753533-45BE-1043-8EA8-A3F39F5E4331}" type="datetimeFigureOut">
               <a:rPr kumimoji="1" lang="zh-CN" altLang="en-US" smtClean="0"/>
-              <a:t>2019/11/5</a:t>
+              <a:t>2019/11/9</a:t>
             </a:fld>
             <a:endParaRPr kumimoji="1" lang="zh-CN" altLang="en-US"/>
           </a:p>
@@ -427,7 +432,7 @@
           <a:p>
             <a:fld id="{11753533-45BE-1043-8EA8-A3F39F5E4331}" type="datetimeFigureOut">
               <a:rPr kumimoji="1" lang="zh-CN" altLang="en-US" smtClean="0"/>
-              <a:t>2019/11/5</a:t>
+              <a:t>2019/11/9</a:t>
             </a:fld>
             <a:endParaRPr kumimoji="1" lang="zh-CN" altLang="en-US"/>
           </a:p>
@@ -610,7 +615,7 @@
           <a:p>
             <a:fld id="{11753533-45BE-1043-8EA8-A3F39F5E4331}" type="datetimeFigureOut">
               <a:rPr kumimoji="1" lang="zh-CN" altLang="en-US" smtClean="0"/>
-              <a:t>2019/11/5</a:t>
+              <a:t>2019/11/9</a:t>
             </a:fld>
             <a:endParaRPr kumimoji="1" lang="zh-CN" altLang="en-US"/>
           </a:p>
@@ -783,7 +788,7 @@
           <a:p>
             <a:fld id="{11753533-45BE-1043-8EA8-A3F39F5E4331}" type="datetimeFigureOut">
               <a:rPr kumimoji="1" lang="zh-CN" altLang="en-US" smtClean="0"/>
-              <a:t>2019/11/5</a:t>
+              <a:t>2019/11/9</a:t>
             </a:fld>
             <a:endParaRPr kumimoji="1" lang="zh-CN" altLang="en-US"/>
           </a:p>
@@ -1061,7 +1066,7 @@
           <a:p>
             <a:fld id="{11753533-45BE-1043-8EA8-A3F39F5E4331}" type="datetimeFigureOut">
               <a:rPr kumimoji="1" lang="zh-CN" altLang="en-US" smtClean="0"/>
-              <a:t>2019/11/5</a:t>
+              <a:t>2019/11/9</a:t>
             </a:fld>
             <a:endParaRPr kumimoji="1" lang="zh-CN" altLang="en-US"/>
           </a:p>
@@ -1276,7 +1281,7 @@
           <a:p>
             <a:fld id="{11753533-45BE-1043-8EA8-A3F39F5E4331}" type="datetimeFigureOut">
               <a:rPr kumimoji="1" lang="zh-CN" altLang="en-US" smtClean="0"/>
-              <a:t>2019/11/5</a:t>
+              <a:t>2019/11/9</a:t>
             </a:fld>
             <a:endParaRPr kumimoji="1" lang="zh-CN" altLang="en-US"/>
           </a:p>
@@ -1644,7 +1649,7 @@
           <a:p>
             <a:fld id="{11753533-45BE-1043-8EA8-A3F39F5E4331}" type="datetimeFigureOut">
               <a:rPr kumimoji="1" lang="zh-CN" altLang="en-US" smtClean="0"/>
-              <a:t>2019/11/5</a:t>
+              <a:t>2019/11/9</a:t>
             </a:fld>
             <a:endParaRPr kumimoji="1" lang="zh-CN" altLang="en-US"/>
           </a:p>
@@ -1785,7 +1790,7 @@
           <a:p>
             <a:fld id="{11753533-45BE-1043-8EA8-A3F39F5E4331}" type="datetimeFigureOut">
               <a:rPr kumimoji="1" lang="zh-CN" altLang="en-US" smtClean="0"/>
-              <a:t>2019/11/5</a:t>
+              <a:t>2019/11/9</a:t>
             </a:fld>
             <a:endParaRPr kumimoji="1" lang="zh-CN" altLang="en-US"/>
           </a:p>
@@ -1898,7 +1903,7 @@
           <a:p>
             <a:fld id="{11753533-45BE-1043-8EA8-A3F39F5E4331}" type="datetimeFigureOut">
               <a:rPr kumimoji="1" lang="zh-CN" altLang="en-US" smtClean="0"/>
-              <a:t>2019/11/5</a:t>
+              <a:t>2019/11/9</a:t>
             </a:fld>
             <a:endParaRPr kumimoji="1" lang="zh-CN" altLang="en-US"/>
           </a:p>
@@ -2187,7 +2192,7 @@
           <a:p>
             <a:fld id="{11753533-45BE-1043-8EA8-A3F39F5E4331}" type="datetimeFigureOut">
               <a:rPr kumimoji="1" lang="zh-CN" altLang="en-US" smtClean="0"/>
-              <a:t>2019/11/5</a:t>
+              <a:t>2019/11/9</a:t>
             </a:fld>
             <a:endParaRPr kumimoji="1" lang="zh-CN" altLang="en-US"/>
           </a:p>
@@ -2478,7 +2483,7 @@
           <a:p>
             <a:fld id="{11753533-45BE-1043-8EA8-A3F39F5E4331}" type="datetimeFigureOut">
               <a:rPr kumimoji="1" lang="zh-CN" altLang="en-US" smtClean="0"/>
-              <a:t>2019/11/5</a:t>
+              <a:t>2019/11/9</a:t>
             </a:fld>
             <a:endParaRPr kumimoji="1" lang="zh-CN" altLang="en-US"/>
           </a:p>
@@ -2694,7 +2699,7 @@
           <a:p>
             <a:fld id="{11753533-45BE-1043-8EA8-A3F39F5E4331}" type="datetimeFigureOut">
               <a:rPr kumimoji="1" lang="zh-CN" altLang="en-US" smtClean="0"/>
-              <a:t>2019/11/5</a:t>
+              <a:t>2019/11/9</a:t>
             </a:fld>
             <a:endParaRPr kumimoji="1" lang="zh-CN" altLang="en-US"/>
           </a:p>
@@ -3312,7 +3317,7 @@
         </p:nvSpPr>
         <p:spPr>
           <a:xfrm>
-            <a:off x="271476" y="5057658"/>
+            <a:off x="231319" y="961049"/>
             <a:ext cx="1942076" cy="830997"/>
           </a:xfrm>
           <a:prstGeom prst="rect">
@@ -3599,8 +3604,8 @@
           </p:txBody>
         </p:sp>
       </p:grpSp>
-      <mc:AlternateContent xmlns:mc="http://schemas.openxmlformats.org/markup-compatibility/2006">
-        <mc:Choice xmlns:a14="http://schemas.microsoft.com/office/drawing/2010/main" Requires="a14">
+      <mc:AlternateContent xmlns:mc="http://schemas.openxmlformats.org/markup-compatibility/2006" xmlns:a14="http://schemas.microsoft.com/office/drawing/2010/main">
+        <mc:Choice Requires="a14">
           <p:sp>
             <p:nvSpPr>
               <p:cNvPr id="15" name="文本框 14">
@@ -3636,6 +3641,7 @@
               </a:bodyPr>
               <a:lstStyle/>
               <a:p>
+                <a:pPr/>
                 <a14:m>
                   <m:oMathPara xmlns:m="http://schemas.openxmlformats.org/officeDocument/2006/math">
                     <m:oMathParaPr>
@@ -3675,7 +3681,7 @@
             </p:txBody>
           </p:sp>
         </mc:Choice>
-        <mc:Fallback>
+        <mc:Fallback xmlns="">
           <p:sp>
             <p:nvSpPr>
               <p:cNvPr id="15" name="文本框 14">
@@ -4286,8 +4292,8 @@
           </p:txBody>
         </p:sp>
       </p:grpSp>
-      <mc:AlternateContent xmlns:mc="http://schemas.openxmlformats.org/markup-compatibility/2006">
-        <mc:Choice xmlns:a14="http://schemas.microsoft.com/office/drawing/2010/main" Requires="a14">
+      <mc:AlternateContent xmlns:mc="http://schemas.openxmlformats.org/markup-compatibility/2006" xmlns:a14="http://schemas.microsoft.com/office/drawing/2010/main">
+        <mc:Choice Requires="a14">
           <p:sp>
             <p:nvSpPr>
               <p:cNvPr id="28" name="文本框 27">
@@ -4311,11 +4317,12 @@
               <a:noFill/>
             </p:spPr>
             <p:txBody>
-              <a:bodyPr wrap="none" lIns="0" tIns="0" rIns="0" bIns="0" rtlCol="0">
+              <a:bodyPr wrap="square" lIns="0" tIns="0" rIns="0" bIns="0" rtlCol="0">
                 <a:spAutoFit/>
               </a:bodyPr>
               <a:lstStyle/>
               <a:p>
+                <a:pPr/>
                 <a14:m>
                   <m:oMathPara xmlns:m="http://schemas.openxmlformats.org/officeDocument/2006/math">
                     <m:oMathParaPr>
@@ -4348,7 +4355,7 @@
             </p:txBody>
           </p:sp>
         </mc:Choice>
-        <mc:Fallback>
+        <mc:Fallback xmlns="">
           <p:sp>
             <p:nvSpPr>
               <p:cNvPr id="28" name="文本框 27">
@@ -4413,8 +4420,8 @@
             <a:chExt cx="274320" cy="735784"/>
           </a:xfrm>
         </p:grpSpPr>
-        <mc:AlternateContent xmlns:mc="http://schemas.openxmlformats.org/markup-compatibility/2006">
-          <mc:Choice xmlns:a14="http://schemas.microsoft.com/office/drawing/2010/main" Requires="a14">
+        <mc:AlternateContent xmlns:mc="http://schemas.openxmlformats.org/markup-compatibility/2006" xmlns:a14="http://schemas.microsoft.com/office/drawing/2010/main">
+          <mc:Choice Requires="a14">
             <p:sp>
               <p:nvSpPr>
                 <p:cNvPr id="41" name="矩形 40">
@@ -4504,7 +4511,7 @@
               </p:txBody>
             </p:sp>
           </mc:Choice>
-          <mc:Fallback>
+          <mc:Fallback xmlns="">
             <p:sp>
               <p:nvSpPr>
                 <p:cNvPr id="41" name="矩形 40">
@@ -5323,8 +5330,8 @@
             <a:chExt cx="274320" cy="735784"/>
           </a:xfrm>
         </p:grpSpPr>
-        <mc:AlternateContent xmlns:mc="http://schemas.openxmlformats.org/markup-compatibility/2006">
-          <mc:Choice xmlns:a14="http://schemas.microsoft.com/office/drawing/2010/main" Requires="a14">
+        <mc:AlternateContent xmlns:mc="http://schemas.openxmlformats.org/markup-compatibility/2006" xmlns:a14="http://schemas.microsoft.com/office/drawing/2010/main">
+          <mc:Choice Requires="a14">
             <p:sp>
               <p:nvSpPr>
                 <p:cNvPr id="64" name="矩形 63">
@@ -5414,7 +5421,7 @@
               </p:txBody>
             </p:sp>
           </mc:Choice>
-          <mc:Fallback>
+          <mc:Fallback xmlns="">
             <p:sp>
               <p:nvSpPr>
                 <p:cNvPr id="64" name="矩形 63">
@@ -5534,8 +5541,8 @@
             <a:chExt cx="274320" cy="735784"/>
           </a:xfrm>
         </p:grpSpPr>
-        <mc:AlternateContent xmlns:mc="http://schemas.openxmlformats.org/markup-compatibility/2006">
-          <mc:Choice xmlns:a14="http://schemas.microsoft.com/office/drawing/2010/main" Requires="a14">
+        <mc:AlternateContent xmlns:mc="http://schemas.openxmlformats.org/markup-compatibility/2006" xmlns:a14="http://schemas.microsoft.com/office/drawing/2010/main">
+          <mc:Choice Requires="a14">
             <p:sp>
               <p:nvSpPr>
                 <p:cNvPr id="67" name="矩形 66">
@@ -5625,7 +5632,7 @@
               </p:txBody>
             </p:sp>
           </mc:Choice>
-          <mc:Fallback>
+          <mc:Fallback xmlns="">
             <p:sp>
               <p:nvSpPr>
                 <p:cNvPr id="67" name="矩形 66">
@@ -5745,8 +5752,8 @@
             <a:chExt cx="274320" cy="735784"/>
           </a:xfrm>
         </p:grpSpPr>
-        <mc:AlternateContent xmlns:mc="http://schemas.openxmlformats.org/markup-compatibility/2006">
-          <mc:Choice xmlns:a14="http://schemas.microsoft.com/office/drawing/2010/main" Requires="a14">
+        <mc:AlternateContent xmlns:mc="http://schemas.openxmlformats.org/markup-compatibility/2006" xmlns:a14="http://schemas.microsoft.com/office/drawing/2010/main">
+          <mc:Choice Requires="a14">
             <p:sp>
               <p:nvSpPr>
                 <p:cNvPr id="70" name="矩形 69">
@@ -5836,7 +5843,7 @@
               </p:txBody>
             </p:sp>
           </mc:Choice>
-          <mc:Fallback>
+          <mc:Fallback xmlns="">
             <p:sp>
               <p:nvSpPr>
                 <p:cNvPr id="70" name="矩形 69">
@@ -5953,8 +5960,8 @@
         </p:nvCxnSpPr>
         <p:spPr>
           <a:xfrm rot="5400000">
-            <a:off x="6624277" y="-511262"/>
-            <a:ext cx="1021435" cy="5068274"/>
+            <a:off x="6752438" y="-329812"/>
+            <a:ext cx="711825" cy="5014985"/>
           </a:xfrm>
           <a:prstGeom prst="bentConnector3">
             <a:avLst/>
@@ -6224,7 +6231,9 @@
               </a:ext>
             </a:extLst>
           </p:cNvPr>
-          <p:cNvCxnSpPr/>
+          <p:cNvCxnSpPr>
+            <a:cxnSpLocks/>
+          </p:cNvCxnSpPr>
           <p:nvPr/>
         </p:nvCxnSpPr>
         <p:spPr>
@@ -6264,7 +6273,9 @@
               </a:ext>
             </a:extLst>
           </p:cNvPr>
-          <p:cNvCxnSpPr/>
+          <p:cNvCxnSpPr>
+            <a:cxnSpLocks/>
+          </p:cNvCxnSpPr>
           <p:nvPr/>
         </p:nvCxnSpPr>
         <p:spPr>
@@ -6304,7 +6315,9 @@
               </a:ext>
             </a:extLst>
           </p:cNvPr>
-          <p:cNvCxnSpPr/>
+          <p:cNvCxnSpPr>
+            <a:cxnSpLocks/>
+          </p:cNvCxnSpPr>
           <p:nvPr/>
         </p:nvCxnSpPr>
         <p:spPr>
@@ -6344,7 +6357,9 @@
               </a:ext>
             </a:extLst>
           </p:cNvPr>
-          <p:cNvCxnSpPr/>
+          <p:cNvCxnSpPr>
+            <a:cxnSpLocks/>
+          </p:cNvCxnSpPr>
           <p:nvPr/>
         </p:nvCxnSpPr>
         <p:spPr>
@@ -6432,7 +6447,9 @@
               </a:ext>
             </a:extLst>
           </p:cNvPr>
-          <p:cNvCxnSpPr/>
+          <p:cNvCxnSpPr>
+            <a:cxnSpLocks/>
+          </p:cNvCxnSpPr>
           <p:nvPr/>
         </p:nvCxnSpPr>
         <p:spPr>
@@ -6518,7 +6535,9 @@
               </a:ext>
             </a:extLst>
           </p:cNvPr>
-          <p:cNvCxnSpPr/>
+          <p:cNvCxnSpPr>
+            <a:cxnSpLocks/>
+          </p:cNvCxnSpPr>
           <p:nvPr/>
         </p:nvCxnSpPr>
         <p:spPr>
@@ -6675,13 +6694,15 @@
           </p:cNvPr>
           <p:cNvCxnSpPr>
             <a:cxnSpLocks/>
+            <a:stCxn id="8" idx="2"/>
+            <a:endCxn id="7" idx="0"/>
           </p:cNvCxnSpPr>
           <p:nvPr/>
         </p:nvCxnSpPr>
         <p:spPr>
-          <a:xfrm flipV="1">
-            <a:off x="1198146" y="2844991"/>
-            <a:ext cx="0" cy="2245993"/>
+          <a:xfrm>
+            <a:off x="1202357" y="1792046"/>
+            <a:ext cx="1018" cy="683613"/>
           </a:xfrm>
           <a:prstGeom prst="straightConnector1">
             <a:avLst/>
@@ -6921,8 +6942,8 @@
         </p:nvCxnSpPr>
         <p:spPr>
           <a:xfrm flipV="1">
-            <a:off x="3259341" y="1352570"/>
-            <a:ext cx="327604" cy="5470"/>
+            <a:off x="3187652" y="1352570"/>
+            <a:ext cx="399293" cy="57416"/>
           </a:xfrm>
           <a:prstGeom prst="straightConnector1">
             <a:avLst/>
@@ -7435,8 +7456,8 @@
           </a:p>
         </p:txBody>
       </p:sp>
-      <mc:AlternateContent xmlns:mc="http://schemas.openxmlformats.org/markup-compatibility/2006">
-        <mc:Choice xmlns:a14="http://schemas.microsoft.com/office/drawing/2010/main" Requires="a14">
+      <mc:AlternateContent xmlns:mc="http://schemas.openxmlformats.org/markup-compatibility/2006" xmlns:a14="http://schemas.microsoft.com/office/drawing/2010/main">
+        <mc:Choice Requires="a14">
           <p:sp>
             <p:nvSpPr>
               <p:cNvPr id="217" name="文本框 216">
@@ -7484,7 +7505,7 @@
             </p:txBody>
           </p:sp>
         </mc:Choice>
-        <mc:Fallback>
+        <mc:Fallback xmlns="">
           <p:sp>
             <p:nvSpPr>
               <p:cNvPr id="217" name="文本框 216">
@@ -7529,8 +7550,8 @@
           </p:sp>
         </mc:Fallback>
       </mc:AlternateContent>
-      <mc:AlternateContent xmlns:mc="http://schemas.openxmlformats.org/markup-compatibility/2006">
-        <mc:Choice xmlns:a14="http://schemas.microsoft.com/office/drawing/2010/main" Requires="a14">
+      <mc:AlternateContent xmlns:mc="http://schemas.openxmlformats.org/markup-compatibility/2006" xmlns:a14="http://schemas.microsoft.com/office/drawing/2010/main">
+        <mc:Choice Requires="a14">
           <p:sp>
             <p:nvSpPr>
               <p:cNvPr id="221" name="文本框 220">
@@ -7559,6 +7580,7 @@
               </a:bodyPr>
               <a:lstStyle/>
               <a:p>
+                <a:pPr/>
                 <a14:m>
                   <m:oMathPara xmlns:m="http://schemas.openxmlformats.org/officeDocument/2006/math">
                     <m:oMathParaPr>
@@ -7600,7 +7622,7 @@
             </p:txBody>
           </p:sp>
         </mc:Choice>
-        <mc:Fallback>
+        <mc:Fallback xmlns="">
           <p:sp>
             <p:nvSpPr>
               <p:cNvPr id="221" name="文本框 220">
@@ -7698,8 +7720,8 @@
           </a:p>
         </p:txBody>
       </p:sp>
-      <mc:AlternateContent xmlns:mc="http://schemas.openxmlformats.org/markup-compatibility/2006">
-        <mc:Choice xmlns:a14="http://schemas.microsoft.com/office/drawing/2010/main" Requires="a14">
+      <mc:AlternateContent xmlns:mc="http://schemas.openxmlformats.org/markup-compatibility/2006" xmlns:a14="http://schemas.microsoft.com/office/drawing/2010/main">
+        <mc:Choice Requires="a14">
           <p:sp>
             <p:nvSpPr>
               <p:cNvPr id="223" name="文本框 222">
@@ -7747,7 +7769,7 @@
             </p:txBody>
           </p:sp>
         </mc:Choice>
-        <mc:Fallback>
+        <mc:Fallback xmlns="">
           <p:sp>
             <p:nvSpPr>
               <p:cNvPr id="223" name="文本框 222">
@@ -7930,7 +7952,7 @@
         </p:nvSpPr>
         <p:spPr>
           <a:xfrm rot="10800000">
-            <a:off x="4758185" y="3689441"/>
+            <a:off x="4732212" y="3689441"/>
             <a:ext cx="369332" cy="640867"/>
           </a:xfrm>
           <a:prstGeom prst="rect">
@@ -8153,7 +8175,7 @@
         </p:nvSpPr>
         <p:spPr>
           <a:xfrm rot="10800000">
-            <a:off x="5800348" y="3705775"/>
+            <a:off x="5774375" y="3705775"/>
             <a:ext cx="369332" cy="640867"/>
           </a:xfrm>
           <a:prstGeom prst="rect">
@@ -8376,7 +8398,7 @@
         </p:nvSpPr>
         <p:spPr>
           <a:xfrm rot="10800000">
-            <a:off x="7554958" y="3694233"/>
+            <a:off x="7528985" y="3694233"/>
             <a:ext cx="369332" cy="640867"/>
           </a:xfrm>
           <a:prstGeom prst="rect">
@@ -8599,7 +8621,7 @@
         </p:nvSpPr>
         <p:spPr>
           <a:xfrm rot="10800000">
-            <a:off x="8632871" y="3683853"/>
+            <a:off x="8606898" y="3683853"/>
             <a:ext cx="369332" cy="640867"/>
           </a:xfrm>
           <a:prstGeom prst="rect">
@@ -8672,8 +8694,8 @@
             </p:nvSpPr>
             <p:spPr>
               <a:xfrm>
-                <a:off x="9596458" y="402245"/>
-                <a:ext cx="2426248" cy="646331"/>
+                <a:off x="323955" y="5296376"/>
+                <a:ext cx="3231819" cy="954107"/>
               </a:xfrm>
               <a:prstGeom prst="rect">
                 <a:avLst/>
@@ -8691,14 +8713,14 @@
                     <m:sSup>
                       <m:sSupPr>
                         <m:ctrlPr>
-                          <a:rPr kumimoji="1" lang="en-US" altLang="zh-CN" sz="1200" b="1" i="1" smtClean="0">
+                          <a:rPr kumimoji="1" lang="en-US" altLang="zh-CN" sz="1600" b="1" i="1" smtClean="0">
                             <a:latin typeface="Cambria Math" panose="02040503050406030204" pitchFamily="18" charset="0"/>
                           </a:rPr>
                         </m:ctrlPr>
                       </m:sSupPr>
                       <m:e>
                         <m:r>
-                          <a:rPr kumimoji="1" lang="en-US" altLang="zh-CN" sz="1200" b="1" i="1" smtClean="0">
+                          <a:rPr kumimoji="1" lang="en-US" altLang="zh-CN" sz="1600" b="1" i="1" smtClean="0">
                             <a:latin typeface="Cambria Math" panose="02040503050406030204" pitchFamily="18" charset="0"/>
                           </a:rPr>
                           <m:t>𝑭</m:t>
@@ -8706,7 +8728,7 @@
                       </m:e>
                       <m:sup>
                         <m:r>
-                          <a:rPr kumimoji="1" lang="en-US" altLang="zh-CN" sz="1200" b="1" i="1" smtClean="0">
+                          <a:rPr kumimoji="1" lang="en-US" altLang="zh-CN" sz="1600" b="1" i="1" smtClean="0">
                             <a:latin typeface="Cambria Math" panose="02040503050406030204" pitchFamily="18" charset="0"/>
                           </a:rPr>
                           <m:t>𝒄𝒂</m:t>
@@ -8716,24 +8738,29 @@
                   </m:oMath>
                 </a14:m>
                 <a:r>
-                  <a:rPr kumimoji="1" lang="en-US" altLang="zh-CN" sz="1200" b="1" dirty="0"/>
-                  <a:t>: Conditional Augmentation</a:t>
+                  <a:rPr kumimoji="1" lang="en-US" altLang="zh-CN" sz="1600" b="1" dirty="0"/>
+                  <a:t>:  Conditional Augmentation</a:t>
                 </a:r>
               </a:p>
               <a:p>
+                <a:pPr>
+                  <a:lnSpc>
+                    <a:spcPct val="150000"/>
+                  </a:lnSpc>
+                </a:pPr>
                 <a14:m>
                   <m:oMath xmlns:m="http://schemas.openxmlformats.org/officeDocument/2006/math">
                     <m:sSubSup>
                       <m:sSubSupPr>
                         <m:ctrlPr>
-                          <a:rPr kumimoji="1" lang="en-US" altLang="zh-CN" sz="1200" b="1" i="1" smtClean="0">
+                          <a:rPr kumimoji="1" lang="en-US" altLang="zh-CN" sz="1600" b="1" i="1" smtClean="0">
                             <a:latin typeface="Cambria Math" panose="02040503050406030204" pitchFamily="18" charset="0"/>
                           </a:rPr>
                         </m:ctrlPr>
                       </m:sSubSupPr>
                       <m:e>
                         <m:r>
-                          <a:rPr kumimoji="1" lang="en-US" altLang="zh-CN" sz="1200" b="1" i="1" smtClean="0">
+                          <a:rPr kumimoji="1" lang="en-US" altLang="zh-CN" sz="1600" b="1" i="1" smtClean="0">
                             <a:latin typeface="Cambria Math" panose="02040503050406030204" pitchFamily="18" charset="0"/>
                           </a:rPr>
                           <m:t>𝑭</m:t>
@@ -8741,7 +8768,7 @@
                       </m:e>
                       <m:sub>
                         <m:r>
-                          <a:rPr kumimoji="1" lang="en-US" altLang="zh-CN" sz="1200" b="1" i="1" smtClean="0">
+                          <a:rPr kumimoji="1" lang="en-US" altLang="zh-CN" sz="1600" b="1" i="1" smtClean="0">
                             <a:latin typeface="Cambria Math" panose="02040503050406030204" pitchFamily="18" charset="0"/>
                           </a:rPr>
                           <m:t>𝒊</m:t>
@@ -8749,7 +8776,7 @@
                       </m:sub>
                       <m:sup>
                         <m:r>
-                          <a:rPr kumimoji="1" lang="en-US" altLang="zh-CN" sz="1200" b="1" i="1" smtClean="0">
+                          <a:rPr kumimoji="1" lang="en-US" altLang="zh-CN" sz="1600" b="1" i="1" smtClean="0">
                             <a:latin typeface="Cambria Math" panose="02040503050406030204" pitchFamily="18" charset="0"/>
                           </a:rPr>
                           <m:t>𝒂</m:t>
@@ -8759,16 +8786,15 @@
                   </m:oMath>
                 </a14:m>
                 <a:r>
-                  <a:rPr kumimoji="1" lang="en-US" altLang="zh-CN" sz="1200" b="1" dirty="0"/>
-                  <a:t>: Attention Modules</a:t>
+                  <a:rPr kumimoji="1" lang="en-US" altLang="zh-CN" sz="1600" b="1" dirty="0"/>
+                  <a:t>:   Attention Modules</a:t>
                 </a:r>
               </a:p>
               <a:p>
                 <a:r>
-                  <a:rPr kumimoji="1" lang="en-US" altLang="zh-CN" sz="1200" b="1" dirty="0"/>
-                  <a:t>A: Affine Transformation</a:t>
+                  <a:rPr kumimoji="1" lang="en-US" altLang="zh-CN" sz="1600" b="1" dirty="0"/>
+                  <a:t>A:    Affine Transformation</a:t>
                 </a:r>
-                <a:endParaRPr kumimoji="1" lang="zh-CN" altLang="en-US" sz="1200" b="1" dirty="0"/>
               </a:p>
             </p:txBody>
           </p:sp>
@@ -8790,8 +8816,8 @@
             </p:nvSpPr>
             <p:spPr>
               <a:xfrm>
-                <a:off x="9596458" y="402245"/>
-                <a:ext cx="2426248" cy="646331"/>
+                <a:off x="323955" y="5296376"/>
+                <a:ext cx="3231819" cy="954107"/>
               </a:xfrm>
               <a:prstGeom prst="rect">
                 <a:avLst/>
@@ -8799,7 +8825,7 @@
               <a:blipFill>
                 <a:blip r:embed="rId12"/>
                 <a:stretch>
-                  <a:fillRect l="-524" b="-3846"/>
+                  <a:fillRect l="-784" t="-1316" b="-6579"/>
                 </a:stretch>
               </a:blipFill>
             </p:spPr>
